--- a/slides/final_report.pptx
+++ b/slides/final_report.pptx
@@ -891,7 +891,7 @@
             <a:fld id="{B61BEF0D-F0BB-DE4B-95CE-6DB70DBA9567}" type="datetimeFigureOut">
               <a:rPr lang="en-US" dirty="0"/>
               <a:pPr/>
-              <a:t>6/9/2023</a:t>
+              <a:t>6/10/2023</a:t>
             </a:fld>
             <a:endParaRPr lang="en-US" dirty="0"/>
           </a:p>
@@ -1139,7 +1139,7 @@
             <a:fld id="{B61BEF0D-F0BB-DE4B-95CE-6DB70DBA9567}" type="datetimeFigureOut">
               <a:rPr lang="en-US" dirty="0"/>
               <a:pPr/>
-              <a:t>6/9/2023</a:t>
+              <a:t>6/10/2023</a:t>
             </a:fld>
             <a:endParaRPr lang="en-US" dirty="0"/>
           </a:p>
@@ -1450,7 +1450,7 @@
             <a:fld id="{B61BEF0D-F0BB-DE4B-95CE-6DB70DBA9567}" type="datetimeFigureOut">
               <a:rPr lang="en-US" dirty="0"/>
               <a:pPr/>
-              <a:t>6/9/2023</a:t>
+              <a:t>6/10/2023</a:t>
             </a:fld>
             <a:endParaRPr lang="en-US" dirty="0"/>
           </a:p>
@@ -1780,7 +1780,7 @@
             <a:fld id="{B61BEF0D-F0BB-DE4B-95CE-6DB70DBA9567}" type="datetimeFigureOut">
               <a:rPr lang="en-US" dirty="0"/>
               <a:pPr/>
-              <a:t>6/9/2023</a:t>
+              <a:t>6/10/2023</a:t>
             </a:fld>
             <a:endParaRPr lang="en-US" dirty="0"/>
           </a:p>
@@ -2091,7 +2091,7 @@
             <a:fld id="{B61BEF0D-F0BB-DE4B-95CE-6DB70DBA9567}" type="datetimeFigureOut">
               <a:rPr lang="en-US" dirty="0"/>
               <a:pPr/>
-              <a:t>6/9/2023</a:t>
+              <a:t>6/10/2023</a:t>
             </a:fld>
             <a:endParaRPr lang="en-US" dirty="0"/>
           </a:p>
@@ -2481,7 +2481,7 @@
             <a:fld id="{B61BEF0D-F0BB-DE4B-95CE-6DB70DBA9567}" type="datetimeFigureOut">
               <a:rPr lang="en-US" dirty="0"/>
               <a:pPr/>
-              <a:t>6/9/2023</a:t>
+              <a:t>6/10/2023</a:t>
             </a:fld>
             <a:endParaRPr lang="en-US" dirty="0"/>
           </a:p>
@@ -2647,7 +2647,7 @@
           <a:p>
             <a:fld id="{55C6B4A9-1611-4792-9094-5F34BCA07E0B}" type="datetimeFigureOut">
               <a:rPr lang="en-US" dirty="0"/>
-              <a:t>6/9/2023</a:t>
+              <a:t>6/10/2023</a:t>
             </a:fld>
             <a:endParaRPr lang="en-US" dirty="0"/>
           </a:p>
@@ -2823,7 +2823,7 @@
             <a:fld id="{B61BEF0D-F0BB-DE4B-95CE-6DB70DBA9567}" type="datetimeFigureOut">
               <a:rPr lang="en-US" dirty="0"/>
               <a:pPr/>
-              <a:t>6/9/2023</a:t>
+              <a:t>6/10/2023</a:t>
             </a:fld>
             <a:endParaRPr lang="en-US" dirty="0"/>
           </a:p>
@@ -2989,7 +2989,7 @@
           <a:p>
             <a:fld id="{42A54C80-263E-416B-A8E0-580EDEADCBDC}" type="datetimeFigureOut">
               <a:rPr lang="en-US" dirty="0"/>
-              <a:t>6/9/2023</a:t>
+              <a:t>6/10/2023</a:t>
             </a:fld>
             <a:endParaRPr lang="en-US" dirty="0"/>
           </a:p>
@@ -3232,7 +3232,7 @@
             <a:fld id="{B61BEF0D-F0BB-DE4B-95CE-6DB70DBA9567}" type="datetimeFigureOut">
               <a:rPr lang="en-US" dirty="0"/>
               <a:pPr/>
-              <a:t>6/9/2023</a:t>
+              <a:t>6/10/2023</a:t>
             </a:fld>
             <a:endParaRPr lang="en-US" dirty="0"/>
           </a:p>
@@ -3460,7 +3460,7 @@
           <a:p>
             <a:fld id="{42A54C80-263E-416B-A8E0-580EDEADCBDC}" type="datetimeFigureOut">
               <a:rPr lang="en-US" dirty="0"/>
-              <a:t>6/9/2023</a:t>
+              <a:t>6/10/2023</a:t>
             </a:fld>
             <a:endParaRPr lang="en-US" dirty="0"/>
           </a:p>
@@ -3830,7 +3830,7 @@
             <a:fld id="{B61BEF0D-F0BB-DE4B-95CE-6DB70DBA9567}" type="datetimeFigureOut">
               <a:rPr lang="en-US" dirty="0"/>
               <a:pPr/>
-              <a:t>6/9/2023</a:t>
+              <a:t>6/10/2023</a:t>
             </a:fld>
             <a:endParaRPr lang="en-US" dirty="0"/>
           </a:p>
@@ -3950,7 +3950,7 @@
             <a:fld id="{B61BEF0D-F0BB-DE4B-95CE-6DB70DBA9567}" type="datetimeFigureOut">
               <a:rPr lang="en-US" dirty="0"/>
               <a:pPr/>
-              <a:t>6/9/2023</a:t>
+              <a:t>6/10/2023</a:t>
             </a:fld>
             <a:endParaRPr lang="en-US" dirty="0"/>
           </a:p>
@@ -4042,7 +4042,7 @@
             <a:fld id="{B61BEF0D-F0BB-DE4B-95CE-6DB70DBA9567}" type="datetimeFigureOut">
               <a:rPr lang="en-US" dirty="0"/>
               <a:pPr/>
-              <a:t>6/9/2023</a:t>
+              <a:t>6/10/2023</a:t>
             </a:fld>
             <a:endParaRPr lang="en-US" dirty="0"/>
           </a:p>
@@ -4293,7 +4293,7 @@
           <a:p>
             <a:fld id="{42A54C80-263E-416B-A8E0-580EDEADCBDC}" type="datetimeFigureOut">
               <a:rPr lang="en-US" dirty="0"/>
-              <a:t>6/9/2023</a:t>
+              <a:t>6/10/2023</a:t>
             </a:fld>
             <a:endParaRPr lang="en-US" dirty="0"/>
           </a:p>
@@ -4595,7 +4595,7 @@
             <a:fld id="{B61BEF0D-F0BB-DE4B-95CE-6DB70DBA9567}" type="datetimeFigureOut">
               <a:rPr lang="en-US" dirty="0"/>
               <a:pPr/>
-              <a:t>6/9/2023</a:t>
+              <a:t>6/10/2023</a:t>
             </a:fld>
             <a:endParaRPr lang="en-US" dirty="0"/>
           </a:p>
@@ -5293,7 +5293,7 @@
             <a:fld id="{B61BEF0D-F0BB-DE4B-95CE-6DB70DBA9567}" type="datetimeFigureOut">
               <a:rPr lang="en-US" dirty="0"/>
               <a:pPr/>
-              <a:t>6/9/2023</a:t>
+              <a:t>6/10/2023</a:t>
             </a:fld>
             <a:endParaRPr lang="en-US" dirty="0"/>
           </a:p>
@@ -11114,7 +11114,7 @@
         </p:spPr>
         <p:txBody>
           <a:bodyPr>
-            <a:normAutofit lnSpcReduction="10000"/>
+            <a:normAutofit/>
           </a:bodyPr>
           <a:lstStyle/>
           <a:p>
@@ -11440,43 +11440,25 @@
                 </a:solidFill>
                 <a:latin typeface="-apple-system"/>
               </a:rPr>
-              <a:t>代码量（</a:t>
-            </a:r>
-            <a:r>
-              <a:rPr lang="en-US" altLang="zh-CN" sz="2400" dirty="0">
-                <a:solidFill>
-                  <a:srgbClr val="000000"/>
-                </a:solidFill>
-                <a:latin typeface="-apple-system"/>
-              </a:rPr>
-              <a:t>Rust</a:t>
-            </a:r>
-            <a:r>
-              <a:rPr lang="zh-CN" altLang="en-US" sz="2400" dirty="0">
-                <a:solidFill>
-                  <a:srgbClr val="000000"/>
-                </a:solidFill>
-                <a:latin typeface="-apple-system"/>
-              </a:rPr>
-              <a:t>部分）：约</a:t>
-            </a:r>
-            <a:r>
-              <a:rPr lang="en-US" altLang="zh-CN" sz="2400" dirty="0">
-                <a:solidFill>
-                  <a:srgbClr val="000000"/>
-                </a:solidFill>
-                <a:latin typeface="-apple-system"/>
-              </a:rPr>
-              <a:t>1000</a:t>
-            </a:r>
-            <a:r>
-              <a:rPr lang="zh-CN" altLang="en-US" sz="2400" dirty="0">
-                <a:solidFill>
-                  <a:srgbClr val="000000"/>
-                </a:solidFill>
-                <a:latin typeface="-apple-system"/>
-              </a:rPr>
-              <a:t>行</a:t>
+              <a:t>完成时间：第</a:t>
+            </a:r>
+            <a:r>
+              <a:rPr lang="en-US" altLang="zh-CN" sz="2400">
+                <a:solidFill>
+                  <a:srgbClr val="000000"/>
+                </a:solidFill>
+                <a:latin typeface="-apple-system"/>
+              </a:rPr>
+              <a:t>9</a:t>
+            </a:r>
+            <a:r>
+              <a:rPr lang="zh-CN" altLang="en-US" sz="2400">
+                <a:solidFill>
+                  <a:srgbClr val="000000"/>
+                </a:solidFill>
+                <a:latin typeface="-apple-system"/>
+              </a:rPr>
+              <a:t>周</a:t>
             </a:r>
             <a:endParaRPr lang="en-US" altLang="zh-CN" sz="2400" dirty="0">
               <a:solidFill>
@@ -11487,33 +11469,6 @@
           </a:p>
           <a:p>
             <a:pPr lvl="1"/>
-            <a:r>
-              <a:rPr lang="zh-CN" altLang="en-US" sz="2400" dirty="0">
-                <a:solidFill>
-                  <a:srgbClr val="000000"/>
-                </a:solidFill>
-                <a:latin typeface="-apple-system"/>
-              </a:rPr>
-              <a:t>完成时间：第</a:t>
-            </a:r>
-            <a:r>
-              <a:rPr lang="en-US" altLang="zh-CN" sz="2400" dirty="0">
-                <a:solidFill>
-                  <a:srgbClr val="000000"/>
-                </a:solidFill>
-                <a:latin typeface="-apple-system"/>
-              </a:rPr>
-              <a:t>15</a:t>
-            </a:r>
-            <a:r>
-              <a:rPr lang="zh-CN" altLang="en-US" sz="2400" dirty="0">
-                <a:solidFill>
-                  <a:srgbClr val="000000"/>
-                </a:solidFill>
-                <a:latin typeface="-apple-system"/>
-              </a:rPr>
-              <a:t>周</a:t>
-            </a:r>
             <a:endParaRPr lang="en-US" altLang="zh-CN" sz="2400" dirty="0">
               <a:solidFill>
                 <a:srgbClr val="000000"/>
@@ -11605,7 +11560,7 @@
         </p:spPr>
         <p:txBody>
           <a:bodyPr>
-            <a:normAutofit lnSpcReduction="10000"/>
+            <a:normAutofit fontScale="85000" lnSpcReduction="20000"/>
           </a:bodyPr>
           <a:lstStyle/>
           <a:p>
@@ -11911,6 +11866,105 @@
                 <a:latin typeface="-apple-system"/>
               </a:rPr>
               <a:t>multi_thread_c_test</a:t>
+            </a:r>
+            <a:endParaRPr lang="en-US" altLang="zh-CN" sz="2000" dirty="0">
+              <a:solidFill>
+                <a:srgbClr val="000000"/>
+              </a:solidFill>
+              <a:latin typeface="-apple-system"/>
+            </a:endParaRPr>
+          </a:p>
+          <a:p>
+            <a:pPr lvl="2"/>
+            <a:endParaRPr lang="en-US" altLang="zh-CN" sz="2000" dirty="0">
+              <a:solidFill>
+                <a:srgbClr val="000000"/>
+              </a:solidFill>
+              <a:latin typeface="-apple-system"/>
+            </a:endParaRPr>
+          </a:p>
+          <a:p>
+            <a:pPr lvl="1"/>
+            <a:r>
+              <a:rPr lang="zh-CN" altLang="en-US" sz="2000" dirty="0">
+                <a:solidFill>
+                  <a:srgbClr val="000000"/>
+                </a:solidFill>
+                <a:latin typeface="-apple-system"/>
+              </a:rPr>
+              <a:t>代码量（</a:t>
+            </a:r>
+            <a:r>
+              <a:rPr lang="en-US" altLang="zh-CN" sz="2000" dirty="0">
+                <a:solidFill>
+                  <a:srgbClr val="000000"/>
+                </a:solidFill>
+                <a:latin typeface="-apple-system"/>
+              </a:rPr>
+              <a:t>Rust</a:t>
+            </a:r>
+            <a:r>
+              <a:rPr lang="zh-CN" altLang="en-US" sz="2000" dirty="0">
+                <a:solidFill>
+                  <a:srgbClr val="000000"/>
+                </a:solidFill>
+                <a:latin typeface="-apple-system"/>
+              </a:rPr>
+              <a:t>部分）：约</a:t>
+            </a:r>
+            <a:r>
+              <a:rPr lang="en-US" altLang="zh-CN" sz="2000" dirty="0">
+                <a:solidFill>
+                  <a:srgbClr val="000000"/>
+                </a:solidFill>
+                <a:latin typeface="-apple-system"/>
+              </a:rPr>
+              <a:t>1000</a:t>
+            </a:r>
+            <a:r>
+              <a:rPr lang="zh-CN" altLang="en-US" sz="2000" dirty="0">
+                <a:solidFill>
+                  <a:srgbClr val="000000"/>
+                </a:solidFill>
+                <a:latin typeface="-apple-system"/>
+              </a:rPr>
+              <a:t>行</a:t>
+            </a:r>
+            <a:endParaRPr lang="en-US" altLang="zh-CN" sz="2000" dirty="0">
+              <a:solidFill>
+                <a:srgbClr val="000000"/>
+              </a:solidFill>
+              <a:latin typeface="-apple-system"/>
+            </a:endParaRPr>
+          </a:p>
+          <a:p>
+            <a:pPr lvl="1"/>
+            <a:r>
+              <a:rPr lang="zh-CN" altLang="en-US" sz="2000" dirty="0">
+                <a:solidFill>
+                  <a:srgbClr val="000000"/>
+                </a:solidFill>
+                <a:latin typeface="-apple-system"/>
+              </a:rPr>
+              <a:t>完成时间：第</a:t>
+            </a:r>
+            <a:r>
+              <a:rPr lang="en-US" altLang="zh-CN" sz="2000" dirty="0">
+                <a:solidFill>
+                  <a:srgbClr val="000000"/>
+                </a:solidFill>
+                <a:latin typeface="-apple-system"/>
+              </a:rPr>
+              <a:t>15</a:t>
+            </a:r>
+            <a:r>
+              <a:rPr lang="zh-CN" altLang="en-US" sz="2000" dirty="0">
+                <a:solidFill>
+                  <a:srgbClr val="000000"/>
+                </a:solidFill>
+                <a:latin typeface="-apple-system"/>
+              </a:rPr>
+              <a:t>周</a:t>
             </a:r>
             <a:endParaRPr lang="en-US" altLang="zh-CN" sz="2000" dirty="0">
               <a:solidFill>
@@ -22815,7 +22869,7 @@
                 </a:solidFill>
                 <a:latin typeface="-apple-system"/>
               </a:rPr>
-              <a:t>best fit</a:t>
+              <a:t>worst fit</a:t>
             </a:r>
             <a:r>
               <a:rPr lang="zh-CN" altLang="en-US" sz="1800" dirty="0">
